--- a/meetings/2019_12_12_midterm/midterm_jan.pptx
+++ b/meetings/2019_12_12_midterm/midterm_jan.pptx
@@ -3823,7 +3823,7 @@
             </a:pPr>
             <a:r>
               <a:rPr lang="en-US" dirty="0"/>
-              <a:t>History and Architecture and Net</a:t>
+              <a:t>History and Architecture</a:t>
             </a:r>
           </a:p>
           <a:p>
@@ -4084,7 +4084,7 @@
             </a:pPr>
             <a:r>
               <a:rPr lang="en-US" dirty="0"/>
-              <a:t>History and Architecture and Net</a:t>
+              <a:t>History and Architecture</a:t>
             </a:r>
           </a:p>
         </p:txBody>
